--- a/prezentare.pptx
+++ b/prezentare.pptx
@@ -296,7 +296,7 @@
           <a:p>
             <a:fld id="{276659BD-BAFE-45D8-B0BF-1C8F6F2573BB}" type="datetimeFigureOut">
               <a:rPr lang="en-US" smtClean="0"/>
-              <a:t>02-Jul-13</a:t>
+              <a:t>03-Jul-13</a:t>
             </a:fld>
             <a:endParaRPr lang="en-US"/>
           </a:p>
@@ -466,7 +466,7 @@
           <a:p>
             <a:fld id="{276659BD-BAFE-45D8-B0BF-1C8F6F2573BB}" type="datetimeFigureOut">
               <a:rPr lang="en-US" smtClean="0"/>
-              <a:t>02-Jul-13</a:t>
+              <a:t>03-Jul-13</a:t>
             </a:fld>
             <a:endParaRPr lang="en-US"/>
           </a:p>
@@ -646,7 +646,7 @@
           <a:p>
             <a:fld id="{276659BD-BAFE-45D8-B0BF-1C8F6F2573BB}" type="datetimeFigureOut">
               <a:rPr lang="en-US" smtClean="0"/>
-              <a:t>02-Jul-13</a:t>
+              <a:t>03-Jul-13</a:t>
             </a:fld>
             <a:endParaRPr lang="en-US"/>
           </a:p>
@@ -816,7 +816,7 @@
           <a:p>
             <a:fld id="{276659BD-BAFE-45D8-B0BF-1C8F6F2573BB}" type="datetimeFigureOut">
               <a:rPr lang="en-US" smtClean="0"/>
-              <a:t>02-Jul-13</a:t>
+              <a:t>03-Jul-13</a:t>
             </a:fld>
             <a:endParaRPr lang="en-US"/>
           </a:p>
@@ -1062,7 +1062,7 @@
           <a:p>
             <a:fld id="{276659BD-BAFE-45D8-B0BF-1C8F6F2573BB}" type="datetimeFigureOut">
               <a:rPr lang="en-US" smtClean="0"/>
-              <a:t>02-Jul-13</a:t>
+              <a:t>03-Jul-13</a:t>
             </a:fld>
             <a:endParaRPr lang="en-US"/>
           </a:p>
@@ -1350,7 +1350,7 @@
           <a:p>
             <a:fld id="{276659BD-BAFE-45D8-B0BF-1C8F6F2573BB}" type="datetimeFigureOut">
               <a:rPr lang="en-US" smtClean="0"/>
-              <a:t>02-Jul-13</a:t>
+              <a:t>03-Jul-13</a:t>
             </a:fld>
             <a:endParaRPr lang="en-US"/>
           </a:p>
@@ -1772,7 +1772,7 @@
           <a:p>
             <a:fld id="{276659BD-BAFE-45D8-B0BF-1C8F6F2573BB}" type="datetimeFigureOut">
               <a:rPr lang="en-US" smtClean="0"/>
-              <a:t>02-Jul-13</a:t>
+              <a:t>03-Jul-13</a:t>
             </a:fld>
             <a:endParaRPr lang="en-US"/>
           </a:p>
@@ -1890,7 +1890,7 @@
           <a:p>
             <a:fld id="{276659BD-BAFE-45D8-B0BF-1C8F6F2573BB}" type="datetimeFigureOut">
               <a:rPr lang="en-US" smtClean="0"/>
-              <a:t>02-Jul-13</a:t>
+              <a:t>03-Jul-13</a:t>
             </a:fld>
             <a:endParaRPr lang="en-US"/>
           </a:p>
@@ -1985,7 +1985,7 @@
           <a:p>
             <a:fld id="{276659BD-BAFE-45D8-B0BF-1C8F6F2573BB}" type="datetimeFigureOut">
               <a:rPr lang="en-US" smtClean="0"/>
-              <a:t>02-Jul-13</a:t>
+              <a:t>03-Jul-13</a:t>
             </a:fld>
             <a:endParaRPr lang="en-US"/>
           </a:p>
@@ -2262,7 +2262,7 @@
           <a:p>
             <a:fld id="{276659BD-BAFE-45D8-B0BF-1C8F6F2573BB}" type="datetimeFigureOut">
               <a:rPr lang="en-US" smtClean="0"/>
-              <a:t>02-Jul-13</a:t>
+              <a:t>03-Jul-13</a:t>
             </a:fld>
             <a:endParaRPr lang="en-US"/>
           </a:p>
@@ -2515,7 +2515,7 @@
           <a:p>
             <a:fld id="{276659BD-BAFE-45D8-B0BF-1C8F6F2573BB}" type="datetimeFigureOut">
               <a:rPr lang="en-US" smtClean="0"/>
-              <a:t>02-Jul-13</a:t>
+              <a:t>03-Jul-13</a:t>
             </a:fld>
             <a:endParaRPr lang="en-US"/>
           </a:p>
@@ -2728,7 +2728,7 @@
           <a:p>
             <a:fld id="{276659BD-BAFE-45D8-B0BF-1C8F6F2573BB}" type="datetimeFigureOut">
               <a:rPr lang="en-US" smtClean="0"/>
-              <a:t>02-Jul-13</a:t>
+              <a:t>03-Jul-13</a:t>
             </a:fld>
             <a:endParaRPr lang="en-US"/>
           </a:p>
@@ -3672,6 +3672,9 @@
             <a:endParaRPr lang="en-US" dirty="0"/>
           </a:p>
           <a:p>
+            <a:pPr marL="0" indent="0">
+              <a:buNone/>
+            </a:pPr>
             <a:r>
               <a:rPr lang="ro-RO" dirty="0" smtClean="0"/>
               <a:t>+</a:t>
